--- a/Reduction of multiplier circuits.pptx
+++ b/Reduction of multiplier circuits.pptx
@@ -20,23 +20,24 @@
     <p:sldId id="265" r:id="rId15"/>
     <p:sldId id="266" r:id="rId16"/>
     <p:sldId id="267" r:id="rId17"/>
+    <p:sldId id="268" r:id="rId18"/>
   </p:sldIdLst>
   <p:sldSz cy="5143500" cx="9144000"/>
   <p:notesSz cx="6858000" cy="9144000"/>
   <p:embeddedFontLst>
     <p:embeddedFont>
       <p:font typeface="Playfair Display"/>
-      <p:regular r:id="rId18"/>
-      <p:bold r:id="rId19"/>
-      <p:italic r:id="rId20"/>
-      <p:boldItalic r:id="rId21"/>
+      <p:regular r:id="rId19"/>
+      <p:bold r:id="rId20"/>
+      <p:italic r:id="rId21"/>
+      <p:boldItalic r:id="rId22"/>
     </p:embeddedFont>
     <p:embeddedFont>
       <p:font typeface="Lato"/>
-      <p:regular r:id="rId22"/>
-      <p:bold r:id="rId23"/>
-      <p:italic r:id="rId24"/>
-      <p:boldItalic r:id="rId25"/>
+      <p:regular r:id="rId23"/>
+      <p:bold r:id="rId24"/>
+      <p:italic r:id="rId25"/>
+      <p:boldItalic r:id="rId26"/>
     </p:embeddedFont>
   </p:embeddedFontLst>
   <p:defaultTextStyle>
@@ -817,7 +818,7 @@
   <p:cSld>
     <p:spTree>
       <p:nvGrpSpPr>
-        <p:cNvPr id="113" name="Shape 113"/>
+        <p:cNvPr id="114" name="Shape 114"/>
         <p:cNvGrpSpPr/>
         <p:nvPr/>
       </p:nvGrpSpPr>
@@ -831,7 +832,7 @@
       </p:grpSpPr>
       <p:sp>
         <p:nvSpPr>
-          <p:cNvPr id="114" name="Google Shape;114;g240353eb359_0_120:notes"/>
+          <p:cNvPr id="115" name="Google Shape;115;g240353eb359_0_120:notes"/>
           <p:cNvSpPr/>
           <p:nvPr>
             <p:ph idx="2" type="sldImg"/>
@@ -866,7 +867,7 @@
       </p:sp>
       <p:sp>
         <p:nvSpPr>
-          <p:cNvPr id="115" name="Google Shape;115;g240353eb359_0_120:notes"/>
+          <p:cNvPr id="116" name="Google Shape;116;g240353eb359_0_120:notes"/>
           <p:cNvSpPr txBox="1"/>
           <p:nvPr>
             <p:ph idx="1" type="body"/>
@@ -916,7 +917,7 @@
   <p:cSld>
     <p:spTree>
       <p:nvGrpSpPr>
-        <p:cNvPr id="120" name="Shape 120"/>
+        <p:cNvPr id="121" name="Shape 121"/>
         <p:cNvGrpSpPr/>
         <p:nvPr/>
       </p:nvGrpSpPr>
@@ -930,7 +931,7 @@
       </p:grpSpPr>
       <p:sp>
         <p:nvSpPr>
-          <p:cNvPr id="121" name="Google Shape;121;g240353eb359_0_114:notes"/>
+          <p:cNvPr id="122" name="Google Shape;122;g24045e15109_0_7:notes"/>
           <p:cNvSpPr/>
           <p:nvPr>
             <p:ph idx="2" type="sldImg"/>
@@ -965,7 +966,7 @@
       </p:sp>
       <p:sp>
         <p:nvSpPr>
-          <p:cNvPr id="122" name="Google Shape;122;g240353eb359_0_114:notes"/>
+          <p:cNvPr id="123" name="Google Shape;123;g24045e15109_0_7:notes"/>
           <p:cNvSpPr txBox="1"/>
           <p:nvPr>
             <p:ph idx="1" type="body"/>
@@ -1015,7 +1016,7 @@
   <p:cSld>
     <p:spTree>
       <p:nvGrpSpPr>
-        <p:cNvPr id="127" name="Shape 127"/>
+        <p:cNvPr id="128" name="Shape 128"/>
         <p:cNvGrpSpPr/>
         <p:nvPr/>
       </p:nvGrpSpPr>
@@ -1029,7 +1030,7 @@
       </p:grpSpPr>
       <p:sp>
         <p:nvSpPr>
-          <p:cNvPr id="128" name="Google Shape;128;g240353eb359_0_70:notes"/>
+          <p:cNvPr id="129" name="Google Shape;129;g240353eb359_0_114:notes"/>
           <p:cNvSpPr/>
           <p:nvPr>
             <p:ph idx="2" type="sldImg"/>
@@ -1064,7 +1065,106 @@
       </p:sp>
       <p:sp>
         <p:nvSpPr>
-          <p:cNvPr id="129" name="Google Shape;129;g240353eb359_0_70:notes"/>
+          <p:cNvPr id="130" name="Google Shape;130;g240353eb359_0_114:notes"/>
+          <p:cNvSpPr txBox="1"/>
+          <p:nvPr>
+            <p:ph idx="1" type="body"/>
+          </p:nvPr>
+        </p:nvSpPr>
+        <p:spPr>
+          <a:xfrm>
+            <a:off x="685800" y="4343400"/>
+            <a:ext cx="5486400" cy="4114800"/>
+          </a:xfrm>
+          <a:prstGeom prst="rect">
+            <a:avLst/>
+          </a:prstGeom>
+        </p:spPr>
+        <p:txBody>
+          <a:bodyPr anchorCtr="0" anchor="t" bIns="91425" lIns="91425" spcFirstLastPara="1" rIns="91425" wrap="square" tIns="91425">
+            <a:noAutofit/>
+          </a:bodyPr>
+          <a:lstStyle/>
+          <a:p>
+            <a:pPr indent="0" lvl="0" marL="0" rtl="0" algn="l">
+              <a:spcBef>
+                <a:spcPts val="0"/>
+              </a:spcBef>
+              <a:spcAft>
+                <a:spcPts val="0"/>
+              </a:spcAft>
+              <a:buNone/>
+            </a:pPr>
+            <a:r>
+              <a:t/>
+            </a:r>
+            <a:endParaRPr/>
+          </a:p>
+        </p:txBody>
+      </p:sp>
+    </p:spTree>
+  </p:cSld>
+  <p:clrMapOvr>
+    <a:masterClrMapping/>
+  </p:clrMapOvr>
+</p:notes>
+</file>
+
+<file path=ppt/notesSlides/notesSlide13.xml><?xml version="1.0" encoding="utf-8"?>
+<p:notes xmlns:a="http://schemas.openxmlformats.org/drawingml/2006/main" xmlns:r="http://schemas.openxmlformats.org/officeDocument/2006/relationships" xmlns:mc="http://schemas.openxmlformats.org/markup-compatibility/2006" xmlns:mv="urn:schemas-microsoft-com:mac:vml" xmlns:p="http://schemas.openxmlformats.org/presentationml/2006/main" xmlns:c="http://schemas.openxmlformats.org/drawingml/2006/chart" xmlns:dgm="http://schemas.openxmlformats.org/drawingml/2006/diagram" xmlns:o="urn:schemas-microsoft-com:office:office" xmlns:v="urn:schemas-microsoft-com:vml" xmlns:pvml="urn:schemas-microsoft-com:office:powerpoint" xmlns:com="http://schemas.openxmlformats.org/drawingml/2006/compatibility" xmlns:p14="http://schemas.microsoft.com/office/powerpoint/2010/main" xmlns:p15="http://schemas.microsoft.com/office/powerpoint/2012/main" xmlns:ahyp="http://schemas.microsoft.com/office/drawing/2018/hyperlinkcolor" showMasterPhAnim="0" showMasterSp="0">
+  <p:cSld>
+    <p:spTree>
+      <p:nvGrpSpPr>
+        <p:cNvPr id="135" name="Shape 135"/>
+        <p:cNvGrpSpPr/>
+        <p:nvPr/>
+      </p:nvGrpSpPr>
+      <p:grpSpPr>
+        <a:xfrm>
+          <a:off x="0" y="0"/>
+          <a:ext cx="0" cy="0"/>
+          <a:chOff x="0" y="0"/>
+          <a:chExt cx="0" cy="0"/>
+        </a:xfrm>
+      </p:grpSpPr>
+      <p:sp>
+        <p:nvSpPr>
+          <p:cNvPr id="136" name="Google Shape;136;g240353eb359_0_70:notes"/>
+          <p:cNvSpPr/>
+          <p:nvPr>
+            <p:ph idx="2" type="sldImg"/>
+          </p:nvPr>
+        </p:nvSpPr>
+        <p:spPr>
+          <a:xfrm>
+            <a:off x="381300" y="685800"/>
+            <a:ext cx="6096000" cy="3429000"/>
+          </a:xfrm>
+          <a:custGeom>
+            <a:rect b="b" l="l" r="r" t="t"/>
+            <a:pathLst>
+              <a:path extrusionOk="0" h="120000" w="120000">
+                <a:moveTo>
+                  <a:pt x="0" y="0"/>
+                </a:moveTo>
+                <a:lnTo>
+                  <a:pt x="120000" y="0"/>
+                </a:lnTo>
+                <a:lnTo>
+                  <a:pt x="120000" y="120000"/>
+                </a:lnTo>
+                <a:lnTo>
+                  <a:pt x="0" y="120000"/>
+                </a:lnTo>
+                <a:close/>
+              </a:path>
+            </a:pathLst>
+          </a:custGeom>
+        </p:spPr>
+      </p:sp>
+      <p:sp>
+        <p:nvSpPr>
+          <p:cNvPr id="137" name="Google Shape;137;g240353eb359_0_70:notes"/>
           <p:cNvSpPr txBox="1"/>
           <p:nvPr>
             <p:ph idx="1" type="body"/>
@@ -7659,7 +7759,7 @@
   <p:cSld>
     <p:spTree>
       <p:nvGrpSpPr>
-        <p:cNvPr id="116" name="Shape 116"/>
+        <p:cNvPr id="117" name="Shape 117"/>
         <p:cNvGrpSpPr/>
         <p:nvPr/>
       </p:nvGrpSpPr>
@@ -7673,7 +7773,7 @@
       </p:grpSpPr>
       <p:sp>
         <p:nvSpPr>
-          <p:cNvPr id="117" name="Google Shape;117;p22"/>
+          <p:cNvPr id="118" name="Google Shape;118;p22"/>
           <p:cNvSpPr txBox="1"/>
           <p:nvPr>
             <p:ph type="title"/>
@@ -7713,7 +7813,7 @@
       </p:sp>
       <p:sp>
         <p:nvSpPr>
-          <p:cNvPr id="118" name="Google Shape;118;p22"/>
+          <p:cNvPr id="119" name="Google Shape;119;p22"/>
           <p:cNvSpPr txBox="1"/>
           <p:nvPr>
             <p:ph idx="1" type="body"/>
@@ -7752,7 +7852,7 @@
       </p:sp>
       <p:pic>
         <p:nvPicPr>
-          <p:cNvPr id="119" name="Google Shape;119;p22"/>
+          <p:cNvPr id="120" name="Google Shape;120;p22"/>
           <p:cNvPicPr preferRelativeResize="0"/>
           <p:nvPr/>
         </p:nvPicPr>
@@ -7766,8 +7866,8 @@
         </p:blipFill>
         <p:spPr>
           <a:xfrm>
-            <a:off x="343125" y="1169125"/>
-            <a:ext cx="8457750" cy="3383100"/>
+            <a:off x="1432075" y="976700"/>
+            <a:ext cx="6279858" cy="3767925"/>
           </a:xfrm>
           <a:prstGeom prst="rect">
             <a:avLst/>
@@ -7791,7 +7891,7 @@
   <p:cSld>
     <p:spTree>
       <p:nvGrpSpPr>
-        <p:cNvPr id="123" name="Shape 123"/>
+        <p:cNvPr id="124" name="Shape 124"/>
         <p:cNvGrpSpPr/>
         <p:nvPr/>
       </p:nvGrpSpPr>
@@ -7805,7 +7905,7 @@
       </p:grpSpPr>
       <p:sp>
         <p:nvSpPr>
-          <p:cNvPr id="124" name="Google Shape;124;p23"/>
+          <p:cNvPr id="125" name="Google Shape;125;p23"/>
           <p:cNvSpPr txBox="1"/>
           <p:nvPr>
             <p:ph type="title"/>
@@ -7837,7 +7937,11 @@
             </a:pPr>
             <a:r>
               <a:rPr lang="cs"/>
-              <a:t>Circuit size vs. Generations</a:t>
+              <a:t>Generations until convergence </a:t>
+            </a:r>
+            <a:r>
+              <a:rPr lang="cs"/>
+              <a:t>vs. Error</a:t>
             </a:r>
             <a:endParaRPr/>
           </a:p>
@@ -7845,7 +7949,7 @@
       </p:sp>
       <p:sp>
         <p:nvSpPr>
-          <p:cNvPr id="125" name="Google Shape;125;p23"/>
+          <p:cNvPr id="126" name="Google Shape;126;p23"/>
           <p:cNvSpPr txBox="1"/>
           <p:nvPr>
             <p:ph idx="1" type="body"/>
@@ -7884,7 +7988,7 @@
       </p:sp>
       <p:pic>
         <p:nvPicPr>
-          <p:cNvPr id="126" name="Google Shape;126;p23"/>
+          <p:cNvPr id="127" name="Google Shape;127;p23"/>
           <p:cNvPicPr preferRelativeResize="0"/>
           <p:nvPr/>
         </p:nvPicPr>
@@ -7898,8 +8002,8 @@
         </p:blipFill>
         <p:spPr>
           <a:xfrm>
-            <a:off x="359188" y="1175560"/>
-            <a:ext cx="8425625" cy="3370240"/>
+            <a:off x="1376763" y="943527"/>
+            <a:ext cx="6390475" cy="3834285"/>
           </a:xfrm>
           <a:prstGeom prst="rect">
             <a:avLst/>
@@ -7923,7 +8027,7 @@
   <p:cSld>
     <p:spTree>
       <p:nvGrpSpPr>
-        <p:cNvPr id="130" name="Shape 130"/>
+        <p:cNvPr id="131" name="Shape 131"/>
         <p:cNvGrpSpPr/>
         <p:nvPr/>
       </p:nvGrpSpPr>
@@ -7937,7 +8041,7 @@
       </p:grpSpPr>
       <p:sp>
         <p:nvSpPr>
-          <p:cNvPr id="131" name="Google Shape;131;p24"/>
+          <p:cNvPr id="132" name="Google Shape;132;p24"/>
           <p:cNvSpPr txBox="1"/>
           <p:nvPr>
             <p:ph type="title"/>
@@ -7969,7 +8073,7 @@
             </a:pPr>
             <a:r>
               <a:rPr lang="cs"/>
-              <a:t>Conclusion</a:t>
+              <a:t>Circuit size vs. Generations</a:t>
             </a:r>
             <a:endParaRPr/>
           </a:p>
@@ -7977,7 +8081,7 @@
       </p:sp>
       <p:sp>
         <p:nvSpPr>
-          <p:cNvPr id="132" name="Google Shape;132;p24"/>
+          <p:cNvPr id="133" name="Google Shape;133;p24"/>
           <p:cNvSpPr txBox="1"/>
           <p:nvPr>
             <p:ph idx="1" type="body"/>
@@ -8003,13 +8107,145 @@
                 <a:spcPts val="0"/>
               </a:spcBef>
               <a:spcAft>
+                <a:spcPts val="1200"/>
+              </a:spcAft>
+              <a:buNone/>
+            </a:pPr>
+            <a:r>
+              <a:t/>
+            </a:r>
+            <a:endParaRPr/>
+          </a:p>
+        </p:txBody>
+      </p:sp>
+      <p:pic>
+        <p:nvPicPr>
+          <p:cNvPr id="134" name="Google Shape;134;p24"/>
+          <p:cNvPicPr preferRelativeResize="0"/>
+          <p:nvPr/>
+        </p:nvPicPr>
+        <p:blipFill>
+          <a:blip r:embed="rId3">
+            <a:alphaModFix/>
+          </a:blip>
+          <a:stretch>
+            <a:fillRect/>
+          </a:stretch>
+        </p:blipFill>
+        <p:spPr>
+          <a:xfrm>
+            <a:off x="0" y="1031875"/>
+            <a:ext cx="9144000" cy="3657600"/>
+          </a:xfrm>
+          <a:prstGeom prst="rect">
+            <a:avLst/>
+          </a:prstGeom>
+          <a:noFill/>
+          <a:ln>
+            <a:noFill/>
+          </a:ln>
+        </p:spPr>
+      </p:pic>
+    </p:spTree>
+  </p:cSld>
+  <p:clrMapOvr>
+    <a:masterClrMapping/>
+  </p:clrMapOvr>
+</p:sld>
+</file>
+
+<file path=ppt/slides/slide13.xml><?xml version="1.0" encoding="utf-8"?>
+<p:sld xmlns:a="http://schemas.openxmlformats.org/drawingml/2006/main" xmlns:r="http://schemas.openxmlformats.org/officeDocument/2006/relationships" xmlns:mc="http://schemas.openxmlformats.org/markup-compatibility/2006" xmlns:mv="urn:schemas-microsoft-com:mac:vml" xmlns:p="http://schemas.openxmlformats.org/presentationml/2006/main" xmlns:c="http://schemas.openxmlformats.org/drawingml/2006/chart" xmlns:dgm="http://schemas.openxmlformats.org/drawingml/2006/diagram" xmlns:o="urn:schemas-microsoft-com:office:office" xmlns:v="urn:schemas-microsoft-com:vml" xmlns:pvml="urn:schemas-microsoft-com:office:powerpoint" xmlns:com="http://schemas.openxmlformats.org/drawingml/2006/compatibility" xmlns:p14="http://schemas.microsoft.com/office/powerpoint/2010/main" xmlns:p15="http://schemas.microsoft.com/office/powerpoint/2012/main" xmlns:ahyp="http://schemas.microsoft.com/office/drawing/2018/hyperlinkcolor">
+  <p:cSld>
+    <p:spTree>
+      <p:nvGrpSpPr>
+        <p:cNvPr id="138" name="Shape 138"/>
+        <p:cNvGrpSpPr/>
+        <p:nvPr/>
+      </p:nvGrpSpPr>
+      <p:grpSpPr>
+        <a:xfrm>
+          <a:off x="0" y="0"/>
+          <a:ext cx="0" cy="0"/>
+          <a:chOff x="0" y="0"/>
+          <a:chExt cx="0" cy="0"/>
+        </a:xfrm>
+      </p:grpSpPr>
+      <p:sp>
+        <p:nvSpPr>
+          <p:cNvPr id="139" name="Google Shape;139;p25"/>
+          <p:cNvSpPr txBox="1"/>
+          <p:nvPr>
+            <p:ph type="title"/>
+          </p:nvPr>
+        </p:nvSpPr>
+        <p:spPr>
+          <a:xfrm>
+            <a:off x="311700" y="391350"/>
+            <a:ext cx="8520600" cy="626100"/>
+          </a:xfrm>
+          <a:prstGeom prst="rect">
+            <a:avLst/>
+          </a:prstGeom>
+        </p:spPr>
+        <p:txBody>
+          <a:bodyPr anchorCtr="0" anchor="t" bIns="91425" lIns="91425" spcFirstLastPara="1" rIns="91425" wrap="square" tIns="91425">
+            <a:normAutofit fontScale="90000"/>
+          </a:bodyPr>
+          <a:lstStyle/>
+          <a:p>
+            <a:pPr indent="0" lvl="0" marL="0" rtl="0" algn="l">
+              <a:spcBef>
+                <a:spcPts val="0"/>
+              </a:spcBef>
+              <a:spcAft>
                 <a:spcPts val="0"/>
               </a:spcAft>
               <a:buNone/>
             </a:pPr>
             <a:r>
               <a:rPr lang="cs"/>
-              <a:t>After numerous modifications I managed to set up CGP to do satisfying circuit minimization for different allowed errors. Based on how smooth the curve for gates count is for each error, the chosen CGP parameters proved to be well chosen.</a:t>
+              <a:t>Conclusion</a:t>
+            </a:r>
+            <a:endParaRPr/>
+          </a:p>
+        </p:txBody>
+      </p:sp>
+      <p:sp>
+        <p:nvSpPr>
+          <p:cNvPr id="140" name="Google Shape;140;p25"/>
+          <p:cNvSpPr txBox="1"/>
+          <p:nvPr>
+            <p:ph idx="1" type="body"/>
+          </p:nvPr>
+        </p:nvSpPr>
+        <p:spPr>
+          <a:xfrm>
+            <a:off x="311700" y="1152475"/>
+            <a:ext cx="8520600" cy="3416400"/>
+          </a:xfrm>
+          <a:prstGeom prst="rect">
+            <a:avLst/>
+          </a:prstGeom>
+        </p:spPr>
+        <p:txBody>
+          <a:bodyPr anchorCtr="0" anchor="t" bIns="91425" lIns="91425" spcFirstLastPara="1" rIns="91425" wrap="square" tIns="91425">
+            <a:normAutofit/>
+          </a:bodyPr>
+          <a:lstStyle/>
+          <a:p>
+            <a:pPr indent="0" lvl="0" marL="0" rtl="0" algn="l">
+              <a:spcBef>
+                <a:spcPts val="0"/>
+              </a:spcBef>
+              <a:spcAft>
+                <a:spcPts val="0"/>
+              </a:spcAft>
+              <a:buNone/>
+            </a:pPr>
+            <a:r>
+              <a:rPr lang="cs"/>
+              <a:t>After numerous modifications I managed to set up CGP to do satisfying circuit minimization for different allowed errors. Based on how smooth the curve for gates count is for each error, the chosen CGP parameters proved to be solid.</a:t>
             </a:r>
             <a:endParaRPr/>
           </a:p>
@@ -8025,7 +8261,11 @@
             </a:pPr>
             <a:r>
               <a:rPr lang="cs"/>
-              <a:t>I could prove that the CGP was capable to linearly scale the</a:t>
+              <a:t>Results from single runs gave mixed results, as you would expect from a GA. Results between runs with errors that were not a magnitude different were </a:t>
+            </a:r>
+            <a:r>
+              <a:rPr lang="cs"/>
+              <a:t>indistinguishable.</a:t>
             </a:r>
             <a:endParaRPr/>
           </a:p>
@@ -9293,6 +9533,64 @@
           </a:ln>
         </p:spPr>
       </p:pic>
+      <p:sp>
+        <p:nvSpPr>
+          <p:cNvPr id="113" name="Google Shape;113;p21"/>
+          <p:cNvSpPr txBox="1"/>
+          <p:nvPr/>
+        </p:nvSpPr>
+        <p:spPr>
+          <a:xfrm>
+            <a:off x="5528500" y="4310175"/>
+            <a:ext cx="3404700" cy="615600"/>
+          </a:xfrm>
+          <a:prstGeom prst="rect">
+            <a:avLst/>
+          </a:prstGeom>
+          <a:noFill/>
+          <a:ln>
+            <a:noFill/>
+          </a:ln>
+        </p:spPr>
+        <p:txBody>
+          <a:bodyPr anchorCtr="0" anchor="t" bIns="91425" lIns="91425" spcFirstLastPara="1" rIns="91425" wrap="square" tIns="91425">
+            <a:spAutoFit/>
+          </a:bodyPr>
+          <a:lstStyle/>
+          <a:p>
+            <a:pPr indent="0" lvl="0" marL="0" rtl="0" algn="r">
+              <a:spcBef>
+                <a:spcPts val="0"/>
+              </a:spcBef>
+              <a:spcAft>
+                <a:spcPts val="0"/>
+              </a:spcAft>
+              <a:buNone/>
+            </a:pPr>
+            <a:r>
+              <a:rPr lang="cs">
+                <a:highlight>
+                  <a:srgbClr val="FF9900"/>
+                </a:highlight>
+                <a:latin typeface="Lato"/>
+                <a:ea typeface="Lato"/>
+                <a:cs typeface="Lato"/>
+                <a:sym typeface="Lato"/>
+              </a:rPr>
+              <a:t>more variations of errors and their plots can be found in the documentation</a:t>
+            </a:r>
+            <a:endParaRPr>
+              <a:highlight>
+                <a:srgbClr val="FF9900"/>
+              </a:highlight>
+              <a:latin typeface="Lato"/>
+              <a:ea typeface="Lato"/>
+              <a:cs typeface="Lato"/>
+              <a:sym typeface="Lato"/>
+            </a:endParaRPr>
+          </a:p>
+        </p:txBody>
+      </p:sp>
     </p:spTree>
   </p:cSld>
   <p:clrMapOvr>
@@ -9302,6 +9600,285 @@
 </file>
 
 <file path=ppt/theme/theme1.xml><?xml version="1.0" encoding="utf-8"?>
+<a:theme xmlns:a="http://schemas.openxmlformats.org/drawingml/2006/main" xmlns:r="http://schemas.openxmlformats.org/officeDocument/2006/relationships">
+  <a:themeElements>
+    <a:clrScheme name="Default">
+      <a:dk1>
+        <a:srgbClr val="000000"/>
+      </a:dk1>
+      <a:lt1>
+        <a:srgbClr val="FFFFFF"/>
+      </a:lt1>
+      <a:dk2>
+        <a:srgbClr val="158158"/>
+      </a:dk2>
+      <a:lt2>
+        <a:srgbClr val="F3F3F3"/>
+      </a:lt2>
+      <a:accent1>
+        <a:srgbClr val="058DC7"/>
+      </a:accent1>
+      <a:accent2>
+        <a:srgbClr val="50B432"/>
+      </a:accent2>
+      <a:accent3>
+        <a:srgbClr val="ED561B"/>
+      </a:accent3>
+      <a:accent4>
+        <a:srgbClr val="EDEF00"/>
+      </a:accent4>
+      <a:accent5>
+        <a:srgbClr val="24CBE5"/>
+      </a:accent5>
+      <a:accent6>
+        <a:srgbClr val="64E572"/>
+      </a:accent6>
+      <a:hlink>
+        <a:srgbClr val="2200CC"/>
+      </a:hlink>
+      <a:folHlink>
+        <a:srgbClr val="551A8B"/>
+      </a:folHlink>
+    </a:clrScheme>
+    <a:fontScheme name="Office">
+      <a:majorFont>
+        <a:latin typeface="Arial"/>
+        <a:ea typeface=""/>
+        <a:cs typeface=""/>
+        <a:font script="Jpan" typeface="ＭＳ Ｐゴシック"/>
+        <a:font script="Hang" typeface="맑은 고딕"/>
+        <a:font script="Hans" typeface="宋体"/>
+        <a:font script="Hant" typeface="新細明體"/>
+        <a:font script="Arab" typeface="Times New Roman"/>
+        <a:font script="Hebr" typeface="Times New Roman"/>
+        <a:font script="Thai" typeface="Angsana New"/>
+        <a:font script="Ethi" typeface="Nyala"/>
+        <a:font script="Beng" typeface="Vrinda"/>
+        <a:font script="Gujr" typeface="Shruti"/>
+        <a:font script="Khmr" typeface="MoolBoran"/>
+        <a:font script="Knda" typeface="Tunga"/>
+        <a:font script="Guru" typeface="Raavi"/>
+        <a:font script="Cans" typeface="Euphemia"/>
+        <a:font script="Cher" typeface="Plantagenet Cherokee"/>
+        <a:font script="Yiii" typeface="Microsoft Yi Baiti"/>
+        <a:font script="Tibt" typeface="Microsoft Himalaya"/>
+        <a:font script="Thaa" typeface="MV Boli"/>
+        <a:font script="Deva" typeface="Mangal"/>
+        <a:font script="Telu" typeface="Gautami"/>
+        <a:font script="Taml" typeface="Latha"/>
+        <a:font script="Syrc" typeface="Estrangelo Edessa"/>
+        <a:font script="Orya" typeface="Kalinga"/>
+        <a:font script="Mlym" typeface="Kartika"/>
+        <a:font script="Laoo" typeface="DokChampa"/>
+        <a:font script="Sinh" typeface="Iskoola Pota"/>
+        <a:font script="Mong" typeface="Mongolian Baiti"/>
+        <a:font script="Viet" typeface="Times New Roman"/>
+        <a:font script="Uigh" typeface="Microsoft Uighur"/>
+        <a:font script="Geor" typeface="Sylfaen"/>
+      </a:majorFont>
+      <a:minorFont>
+        <a:latin typeface="Arial"/>
+        <a:ea typeface=""/>
+        <a:cs typeface=""/>
+        <a:font script="Jpan" typeface="ＭＳ Ｐゴシック"/>
+        <a:font script="Hang" typeface="맑은 고딕"/>
+        <a:font script="Hans" typeface="宋体"/>
+        <a:font script="Hant" typeface="新細明體"/>
+        <a:font script="Arab" typeface="Arial"/>
+        <a:font script="Hebr" typeface="Arial"/>
+        <a:font script="Thai" typeface="Cordia New"/>
+        <a:font script="Ethi" typeface="Nyala"/>
+        <a:font script="Beng" typeface="Vrinda"/>
+        <a:font script="Gujr" typeface="Shruti"/>
+        <a:font script="Khmr" typeface="DaunPenh"/>
+        <a:font script="Knda" typeface="Tunga"/>
+        <a:font script="Guru" typeface="Raavi"/>
+        <a:font script="Cans" typeface="Euphemia"/>
+        <a:font script="Cher" typeface="Plantagenet Cherokee"/>
+        <a:font script="Yiii" typeface="Microsoft Yi Baiti"/>
+        <a:font script="Tibt" typeface="Microsoft Himalaya"/>
+        <a:font script="Thaa" typeface="MV Boli"/>
+        <a:font script="Deva" typeface="Mangal"/>
+        <a:font script="Telu" typeface="Gautami"/>
+        <a:font script="Taml" typeface="Latha"/>
+        <a:font script="Syrc" typeface="Estrangelo Edessa"/>
+        <a:font script="Orya" typeface="Kalinga"/>
+        <a:font script="Mlym" typeface="Kartika"/>
+        <a:font script="Laoo" typeface="DokChampa"/>
+        <a:font script="Sinh" typeface="Iskoola Pota"/>
+        <a:font script="Mong" typeface="Mongolian Baiti"/>
+        <a:font script="Viet" typeface="Arial"/>
+        <a:font script="Uigh" typeface="Microsoft Uighur"/>
+        <a:font script="Geor" typeface="Sylfaen"/>
+      </a:minorFont>
+    </a:fontScheme>
+    <a:fmtScheme name="Office">
+      <a:fillStyleLst>
+        <a:solidFill>
+          <a:schemeClr val="phClr"/>
+        </a:solidFill>
+        <a:gradFill rotWithShape="1">
+          <a:gsLst>
+            <a:gs pos="0">
+              <a:schemeClr val="phClr">
+                <a:tint val="50000"/>
+                <a:satMod val="300000"/>
+              </a:schemeClr>
+            </a:gs>
+            <a:gs pos="35000">
+              <a:schemeClr val="phClr">
+                <a:tint val="37000"/>
+                <a:satMod val="300000"/>
+              </a:schemeClr>
+            </a:gs>
+            <a:gs pos="100000">
+              <a:schemeClr val="phClr">
+                <a:tint val="15000"/>
+                <a:satMod val="350000"/>
+              </a:schemeClr>
+            </a:gs>
+          </a:gsLst>
+          <a:lin ang="16200000" scaled="1"/>
+        </a:gradFill>
+        <a:gradFill rotWithShape="1">
+          <a:gsLst>
+            <a:gs pos="0">
+              <a:schemeClr val="phClr">
+                <a:tint val="100000"/>
+                <a:shade val="100000"/>
+                <a:satMod val="130000"/>
+              </a:schemeClr>
+            </a:gs>
+            <a:gs pos="100000">
+              <a:schemeClr val="phClr">
+                <a:tint val="50000"/>
+                <a:shade val="100000"/>
+                <a:satMod val="350000"/>
+              </a:schemeClr>
+            </a:gs>
+          </a:gsLst>
+          <a:lin ang="16200000" scaled="0"/>
+        </a:gradFill>
+      </a:fillStyleLst>
+      <a:lnStyleLst>
+        <a:ln w="9525" cap="flat" cmpd="sng" algn="ctr">
+          <a:solidFill>
+            <a:schemeClr val="phClr">
+              <a:shade val="95000"/>
+              <a:satMod val="105000"/>
+            </a:schemeClr>
+          </a:solidFill>
+          <a:prstDash val="solid"/>
+        </a:ln>
+        <a:ln w="25400" cap="flat" cmpd="sng" algn="ctr">
+          <a:solidFill>
+            <a:schemeClr val="phClr"/>
+          </a:solidFill>
+          <a:prstDash val="solid"/>
+        </a:ln>
+        <a:ln w="38100" cap="flat" cmpd="sng" algn="ctr">
+          <a:solidFill>
+            <a:schemeClr val="phClr"/>
+          </a:solidFill>
+          <a:prstDash val="solid"/>
+        </a:ln>
+      </a:lnStyleLst>
+      <a:effectStyleLst>
+        <a:effectStyle>
+          <a:effectLst>
+            <a:outerShdw blurRad="40000" dist="20000" dir="5400000" rotWithShape="0">
+              <a:srgbClr val="000000">
+                <a:alpha val="38000"/>
+              </a:srgbClr>
+            </a:outerShdw>
+          </a:effectLst>
+        </a:effectStyle>
+        <a:effectStyle>
+          <a:effectLst>
+            <a:outerShdw blurRad="40000" dist="23000" dir="5400000" rotWithShape="0">
+              <a:srgbClr val="000000">
+                <a:alpha val="35000"/>
+              </a:srgbClr>
+            </a:outerShdw>
+          </a:effectLst>
+        </a:effectStyle>
+        <a:effectStyle>
+          <a:effectLst>
+            <a:outerShdw blurRad="40000" dist="23000" dir="5400000" rotWithShape="0">
+              <a:srgbClr val="000000">
+                <a:alpha val="35000"/>
+              </a:srgbClr>
+            </a:outerShdw>
+          </a:effectLst>
+          <a:scene3d>
+            <a:camera prst="orthographicFront">
+              <a:rot lat="0" lon="0" rev="0"/>
+            </a:camera>
+            <a:lightRig rig="threePt" dir="t">
+              <a:rot lat="0" lon="0" rev="1200000"/>
+            </a:lightRig>
+          </a:scene3d>
+          <a:sp3d>
+            <a:bevelT w="63500" h="25400"/>
+          </a:sp3d>
+        </a:effectStyle>
+      </a:effectStyleLst>
+      <a:bgFillStyleLst>
+        <a:solidFill>
+          <a:schemeClr val="phClr"/>
+        </a:solidFill>
+        <a:gradFill rotWithShape="1">
+          <a:gsLst>
+            <a:gs pos="0">
+              <a:schemeClr val="phClr">
+                <a:tint val="40000"/>
+                <a:satMod val="350000"/>
+              </a:schemeClr>
+            </a:gs>
+            <a:gs pos="40000">
+              <a:schemeClr val="phClr">
+                <a:tint val="45000"/>
+                <a:shade val="99000"/>
+                <a:satMod val="350000"/>
+              </a:schemeClr>
+            </a:gs>
+            <a:gs pos="100000">
+              <a:schemeClr val="phClr">
+                <a:shade val="20000"/>
+                <a:satMod val="255000"/>
+              </a:schemeClr>
+            </a:gs>
+          </a:gsLst>
+          <a:path path="circle">
+            <a:fillToRect l="50000" t="-80000" r="50000" b="180000"/>
+          </a:path>
+        </a:gradFill>
+        <a:gradFill rotWithShape="1">
+          <a:gsLst>
+            <a:gs pos="0">
+              <a:schemeClr val="phClr">
+                <a:tint val="80000"/>
+                <a:satMod val="300000"/>
+              </a:schemeClr>
+            </a:gs>
+            <a:gs pos="100000">
+              <a:schemeClr val="phClr">
+                <a:shade val="30000"/>
+                <a:satMod val="200000"/>
+              </a:schemeClr>
+            </a:gs>
+          </a:gsLst>
+          <a:path path="circle">
+            <a:fillToRect l="50000" t="50000" r="50000" b="50000"/>
+          </a:path>
+        </a:gradFill>
+      </a:bgFillStyleLst>
+    </a:fmtScheme>
+  </a:themeElements>
+</a:theme>
+</file>
+
+<file path=ppt/theme/theme2.xml><?xml version="1.0" encoding="utf-8"?>
 <a:theme xmlns:a="http://schemas.openxmlformats.org/drawingml/2006/main" xmlns:r="http://schemas.openxmlformats.org/officeDocument/2006/relationships" name="Coral">
   <a:themeElements>
     <a:clrScheme name="Coral">
@@ -9578,283 +10155,4 @@
     </a:fmtScheme>
   </a:themeElements>
 </a:theme>
-</file>
-
-<file path=ppt/theme/theme2.xml><?xml version="1.0" encoding="utf-8"?>
-<a:theme xmlns:a="http://schemas.openxmlformats.org/drawingml/2006/main" xmlns:r="http://schemas.openxmlformats.org/officeDocument/2006/relationships">
-  <a:themeElements>
-    <a:clrScheme name="Default">
-      <a:dk1>
-        <a:srgbClr val="000000"/>
-      </a:dk1>
-      <a:lt1>
-        <a:srgbClr val="FFFFFF"/>
-      </a:lt1>
-      <a:dk2>
-        <a:srgbClr val="158158"/>
-      </a:dk2>
-      <a:lt2>
-        <a:srgbClr val="F3F3F3"/>
-      </a:lt2>
-      <a:accent1>
-        <a:srgbClr val="058DC7"/>
-      </a:accent1>
-      <a:accent2>
-        <a:srgbClr val="50B432"/>
-      </a:accent2>
-      <a:accent3>
-        <a:srgbClr val="ED561B"/>
-      </a:accent3>
-      <a:accent4>
-        <a:srgbClr val="EDEF00"/>
-      </a:accent4>
-      <a:accent5>
-        <a:srgbClr val="24CBE5"/>
-      </a:accent5>
-      <a:accent6>
-        <a:srgbClr val="64E572"/>
-      </a:accent6>
-      <a:hlink>
-        <a:srgbClr val="2200CC"/>
-      </a:hlink>
-      <a:folHlink>
-        <a:srgbClr val="551A8B"/>
-      </a:folHlink>
-    </a:clrScheme>
-    <a:fontScheme name="Office">
-      <a:majorFont>
-        <a:latin typeface="Arial"/>
-        <a:ea typeface=""/>
-        <a:cs typeface=""/>
-        <a:font script="Jpan" typeface="ＭＳ Ｐゴシック"/>
-        <a:font script="Hang" typeface="맑은 고딕"/>
-        <a:font script="Hans" typeface="宋体"/>
-        <a:font script="Hant" typeface="新細明體"/>
-        <a:font script="Arab" typeface="Times New Roman"/>
-        <a:font script="Hebr" typeface="Times New Roman"/>
-        <a:font script="Thai" typeface="Angsana New"/>
-        <a:font script="Ethi" typeface="Nyala"/>
-        <a:font script="Beng" typeface="Vrinda"/>
-        <a:font script="Gujr" typeface="Shruti"/>
-        <a:font script="Khmr" typeface="MoolBoran"/>
-        <a:font script="Knda" typeface="Tunga"/>
-        <a:font script="Guru" typeface="Raavi"/>
-        <a:font script="Cans" typeface="Euphemia"/>
-        <a:font script="Cher" typeface="Plantagenet Cherokee"/>
-        <a:font script="Yiii" typeface="Microsoft Yi Baiti"/>
-        <a:font script="Tibt" typeface="Microsoft Himalaya"/>
-        <a:font script="Thaa" typeface="MV Boli"/>
-        <a:font script="Deva" typeface="Mangal"/>
-        <a:font script="Telu" typeface="Gautami"/>
-        <a:font script="Taml" typeface="Latha"/>
-        <a:font script="Syrc" typeface="Estrangelo Edessa"/>
-        <a:font script="Orya" typeface="Kalinga"/>
-        <a:font script="Mlym" typeface="Kartika"/>
-        <a:font script="Laoo" typeface="DokChampa"/>
-        <a:font script="Sinh" typeface="Iskoola Pota"/>
-        <a:font script="Mong" typeface="Mongolian Baiti"/>
-        <a:font script="Viet" typeface="Times New Roman"/>
-        <a:font script="Uigh" typeface="Microsoft Uighur"/>
-        <a:font script="Geor" typeface="Sylfaen"/>
-      </a:majorFont>
-      <a:minorFont>
-        <a:latin typeface="Arial"/>
-        <a:ea typeface=""/>
-        <a:cs typeface=""/>
-        <a:font script="Jpan" typeface="ＭＳ Ｐゴシック"/>
-        <a:font script="Hang" typeface="맑은 고딕"/>
-        <a:font script="Hans" typeface="宋体"/>
-        <a:font script="Hant" typeface="新細明體"/>
-        <a:font script="Arab" typeface="Arial"/>
-        <a:font script="Hebr" typeface="Arial"/>
-        <a:font script="Thai" typeface="Cordia New"/>
-        <a:font script="Ethi" typeface="Nyala"/>
-        <a:font script="Beng" typeface="Vrinda"/>
-        <a:font script="Gujr" typeface="Shruti"/>
-        <a:font script="Khmr" typeface="DaunPenh"/>
-        <a:font script="Knda" typeface="Tunga"/>
-        <a:font script="Guru" typeface="Raavi"/>
-        <a:font script="Cans" typeface="Euphemia"/>
-        <a:font script="Cher" typeface="Plantagenet Cherokee"/>
-        <a:font script="Yiii" typeface="Microsoft Yi Baiti"/>
-        <a:font script="Tibt" typeface="Microsoft Himalaya"/>
-        <a:font script="Thaa" typeface="MV Boli"/>
-        <a:font script="Deva" typeface="Mangal"/>
-        <a:font script="Telu" typeface="Gautami"/>
-        <a:font script="Taml" typeface="Latha"/>
-        <a:font script="Syrc" typeface="Estrangelo Edessa"/>
-        <a:font script="Orya" typeface="Kalinga"/>
-        <a:font script="Mlym" typeface="Kartika"/>
-        <a:font script="Laoo" typeface="DokChampa"/>
-        <a:font script="Sinh" typeface="Iskoola Pota"/>
-        <a:font script="Mong" typeface="Mongolian Baiti"/>
-        <a:font script="Viet" typeface="Arial"/>
-        <a:font script="Uigh" typeface="Microsoft Uighur"/>
-        <a:font script="Geor" typeface="Sylfaen"/>
-      </a:minorFont>
-    </a:fontScheme>
-    <a:fmtScheme name="Office">
-      <a:fillStyleLst>
-        <a:solidFill>
-          <a:schemeClr val="phClr"/>
-        </a:solidFill>
-        <a:gradFill rotWithShape="1">
-          <a:gsLst>
-            <a:gs pos="0">
-              <a:schemeClr val="phClr">
-                <a:tint val="50000"/>
-                <a:satMod val="300000"/>
-              </a:schemeClr>
-            </a:gs>
-            <a:gs pos="35000">
-              <a:schemeClr val="phClr">
-                <a:tint val="37000"/>
-                <a:satMod val="300000"/>
-              </a:schemeClr>
-            </a:gs>
-            <a:gs pos="100000">
-              <a:schemeClr val="phClr">
-                <a:tint val="15000"/>
-                <a:satMod val="350000"/>
-              </a:schemeClr>
-            </a:gs>
-          </a:gsLst>
-          <a:lin ang="16200000" scaled="1"/>
-        </a:gradFill>
-        <a:gradFill rotWithShape="1">
-          <a:gsLst>
-            <a:gs pos="0">
-              <a:schemeClr val="phClr">
-                <a:tint val="100000"/>
-                <a:shade val="100000"/>
-                <a:satMod val="130000"/>
-              </a:schemeClr>
-            </a:gs>
-            <a:gs pos="100000">
-              <a:schemeClr val="phClr">
-                <a:tint val="50000"/>
-                <a:shade val="100000"/>
-                <a:satMod val="350000"/>
-              </a:schemeClr>
-            </a:gs>
-          </a:gsLst>
-          <a:lin ang="16200000" scaled="0"/>
-        </a:gradFill>
-      </a:fillStyleLst>
-      <a:lnStyleLst>
-        <a:ln w="9525" cap="flat" cmpd="sng" algn="ctr">
-          <a:solidFill>
-            <a:schemeClr val="phClr">
-              <a:shade val="95000"/>
-              <a:satMod val="105000"/>
-            </a:schemeClr>
-          </a:solidFill>
-          <a:prstDash val="solid"/>
-        </a:ln>
-        <a:ln w="25400" cap="flat" cmpd="sng" algn="ctr">
-          <a:solidFill>
-            <a:schemeClr val="phClr"/>
-          </a:solidFill>
-          <a:prstDash val="solid"/>
-        </a:ln>
-        <a:ln w="38100" cap="flat" cmpd="sng" algn="ctr">
-          <a:solidFill>
-            <a:schemeClr val="phClr"/>
-          </a:solidFill>
-          <a:prstDash val="solid"/>
-        </a:ln>
-      </a:lnStyleLst>
-      <a:effectStyleLst>
-        <a:effectStyle>
-          <a:effectLst>
-            <a:outerShdw blurRad="40000" dist="20000" dir="5400000" rotWithShape="0">
-              <a:srgbClr val="000000">
-                <a:alpha val="38000"/>
-              </a:srgbClr>
-            </a:outerShdw>
-          </a:effectLst>
-        </a:effectStyle>
-        <a:effectStyle>
-          <a:effectLst>
-            <a:outerShdw blurRad="40000" dist="23000" dir="5400000" rotWithShape="0">
-              <a:srgbClr val="000000">
-                <a:alpha val="35000"/>
-              </a:srgbClr>
-            </a:outerShdw>
-          </a:effectLst>
-        </a:effectStyle>
-        <a:effectStyle>
-          <a:effectLst>
-            <a:outerShdw blurRad="40000" dist="23000" dir="5400000" rotWithShape="0">
-              <a:srgbClr val="000000">
-                <a:alpha val="35000"/>
-              </a:srgbClr>
-            </a:outerShdw>
-          </a:effectLst>
-          <a:scene3d>
-            <a:camera prst="orthographicFront">
-              <a:rot lat="0" lon="0" rev="0"/>
-            </a:camera>
-            <a:lightRig rig="threePt" dir="t">
-              <a:rot lat="0" lon="0" rev="1200000"/>
-            </a:lightRig>
-          </a:scene3d>
-          <a:sp3d>
-            <a:bevelT w="63500" h="25400"/>
-          </a:sp3d>
-        </a:effectStyle>
-      </a:effectStyleLst>
-      <a:bgFillStyleLst>
-        <a:solidFill>
-          <a:schemeClr val="phClr"/>
-        </a:solidFill>
-        <a:gradFill rotWithShape="1">
-          <a:gsLst>
-            <a:gs pos="0">
-              <a:schemeClr val="phClr">
-                <a:tint val="40000"/>
-                <a:satMod val="350000"/>
-              </a:schemeClr>
-            </a:gs>
-            <a:gs pos="40000">
-              <a:schemeClr val="phClr">
-                <a:tint val="45000"/>
-                <a:shade val="99000"/>
-                <a:satMod val="350000"/>
-              </a:schemeClr>
-            </a:gs>
-            <a:gs pos="100000">
-              <a:schemeClr val="phClr">
-                <a:shade val="20000"/>
-                <a:satMod val="255000"/>
-              </a:schemeClr>
-            </a:gs>
-          </a:gsLst>
-          <a:path path="circle">
-            <a:fillToRect l="50000" t="-80000" r="50000" b="180000"/>
-          </a:path>
-        </a:gradFill>
-        <a:gradFill rotWithShape="1">
-          <a:gsLst>
-            <a:gs pos="0">
-              <a:schemeClr val="phClr">
-                <a:tint val="80000"/>
-                <a:satMod val="300000"/>
-              </a:schemeClr>
-            </a:gs>
-            <a:gs pos="100000">
-              <a:schemeClr val="phClr">
-                <a:shade val="30000"/>
-                <a:satMod val="200000"/>
-              </a:schemeClr>
-            </a:gs>
-          </a:gsLst>
-          <a:path path="circle">
-            <a:fillToRect l="50000" t="50000" r="50000" b="50000"/>
-          </a:path>
-        </a:gradFill>
-      </a:bgFillStyleLst>
-    </a:fmtScheme>
-  </a:themeElements>
-</a:theme>
 </file>
--- a/Reduction of multiplier circuits.pptx
+++ b/Reduction of multiplier circuits.pptx
@@ -21,23 +21,24 @@
     <p:sldId id="266" r:id="rId16"/>
     <p:sldId id="267" r:id="rId17"/>
     <p:sldId id="268" r:id="rId18"/>
+    <p:sldId id="269" r:id="rId19"/>
   </p:sldIdLst>
   <p:sldSz cy="5143500" cx="9144000"/>
   <p:notesSz cx="6858000" cy="9144000"/>
   <p:embeddedFontLst>
     <p:embeddedFont>
       <p:font typeface="Playfair Display"/>
-      <p:regular r:id="rId19"/>
-      <p:bold r:id="rId20"/>
-      <p:italic r:id="rId21"/>
-      <p:boldItalic r:id="rId22"/>
+      <p:regular r:id="rId20"/>
+      <p:bold r:id="rId21"/>
+      <p:italic r:id="rId22"/>
+      <p:boldItalic r:id="rId23"/>
     </p:embeddedFont>
     <p:embeddedFont>
       <p:font typeface="Lato"/>
-      <p:regular r:id="rId23"/>
-      <p:bold r:id="rId24"/>
-      <p:italic r:id="rId25"/>
-      <p:boldItalic r:id="rId26"/>
+      <p:regular r:id="rId24"/>
+      <p:bold r:id="rId25"/>
+      <p:italic r:id="rId26"/>
+      <p:boldItalic r:id="rId27"/>
     </p:embeddedFont>
   </p:embeddedFontLst>
   <p:defaultTextStyle>
@@ -1165,6 +1166,105 @@
       <p:sp>
         <p:nvSpPr>
           <p:cNvPr id="137" name="Google Shape;137;g240353eb359_0_70:notes"/>
+          <p:cNvSpPr txBox="1"/>
+          <p:nvPr>
+            <p:ph idx="1" type="body"/>
+          </p:nvPr>
+        </p:nvSpPr>
+        <p:spPr>
+          <a:xfrm>
+            <a:off x="685800" y="4343400"/>
+            <a:ext cx="5486400" cy="4114800"/>
+          </a:xfrm>
+          <a:prstGeom prst="rect">
+            <a:avLst/>
+          </a:prstGeom>
+        </p:spPr>
+        <p:txBody>
+          <a:bodyPr anchorCtr="0" anchor="t" bIns="91425" lIns="91425" spcFirstLastPara="1" rIns="91425" wrap="square" tIns="91425">
+            <a:noAutofit/>
+          </a:bodyPr>
+          <a:lstStyle/>
+          <a:p>
+            <a:pPr indent="0" lvl="0" marL="0" rtl="0" algn="l">
+              <a:spcBef>
+                <a:spcPts val="0"/>
+              </a:spcBef>
+              <a:spcAft>
+                <a:spcPts val="0"/>
+              </a:spcAft>
+              <a:buNone/>
+            </a:pPr>
+            <a:r>
+              <a:t/>
+            </a:r>
+            <a:endParaRPr/>
+          </a:p>
+        </p:txBody>
+      </p:sp>
+    </p:spTree>
+  </p:cSld>
+  <p:clrMapOvr>
+    <a:masterClrMapping/>
+  </p:clrMapOvr>
+</p:notes>
+</file>
+
+<file path=ppt/notesSlides/notesSlide14.xml><?xml version="1.0" encoding="utf-8"?>
+<p:notes xmlns:a="http://schemas.openxmlformats.org/drawingml/2006/main" xmlns:r="http://schemas.openxmlformats.org/officeDocument/2006/relationships" xmlns:mc="http://schemas.openxmlformats.org/markup-compatibility/2006" xmlns:mv="urn:schemas-microsoft-com:mac:vml" xmlns:p="http://schemas.openxmlformats.org/presentationml/2006/main" xmlns:c="http://schemas.openxmlformats.org/drawingml/2006/chart" xmlns:dgm="http://schemas.openxmlformats.org/drawingml/2006/diagram" xmlns:o="urn:schemas-microsoft-com:office:office" xmlns:v="urn:schemas-microsoft-com:vml" xmlns:pvml="urn:schemas-microsoft-com:office:powerpoint" xmlns:com="http://schemas.openxmlformats.org/drawingml/2006/compatibility" xmlns:p14="http://schemas.microsoft.com/office/powerpoint/2010/main" xmlns:p15="http://schemas.microsoft.com/office/powerpoint/2012/main" xmlns:ahyp="http://schemas.microsoft.com/office/drawing/2018/hyperlinkcolor" showMasterPhAnim="0" showMasterSp="0">
+  <p:cSld>
+    <p:spTree>
+      <p:nvGrpSpPr>
+        <p:cNvPr id="141" name="Shape 141"/>
+        <p:cNvGrpSpPr/>
+        <p:nvPr/>
+      </p:nvGrpSpPr>
+      <p:grpSpPr>
+        <a:xfrm>
+          <a:off x="0" y="0"/>
+          <a:ext cx="0" cy="0"/>
+          <a:chOff x="0" y="0"/>
+          <a:chExt cx="0" cy="0"/>
+        </a:xfrm>
+      </p:grpSpPr>
+      <p:sp>
+        <p:nvSpPr>
+          <p:cNvPr id="142" name="Google Shape;142;g24047f0fe99_0_0:notes"/>
+          <p:cNvSpPr/>
+          <p:nvPr>
+            <p:ph idx="2" type="sldImg"/>
+          </p:nvPr>
+        </p:nvSpPr>
+        <p:spPr>
+          <a:xfrm>
+            <a:off x="381300" y="685800"/>
+            <a:ext cx="6096000" cy="3429000"/>
+          </a:xfrm>
+          <a:custGeom>
+            <a:rect b="b" l="l" r="r" t="t"/>
+            <a:pathLst>
+              <a:path extrusionOk="0" h="120000" w="120000">
+                <a:moveTo>
+                  <a:pt x="0" y="0"/>
+                </a:moveTo>
+                <a:lnTo>
+                  <a:pt x="120000" y="0"/>
+                </a:lnTo>
+                <a:lnTo>
+                  <a:pt x="120000" y="120000"/>
+                </a:lnTo>
+                <a:lnTo>
+                  <a:pt x="0" y="120000"/>
+                </a:lnTo>
+                <a:close/>
+              </a:path>
+            </a:pathLst>
+          </a:custGeom>
+        </p:spPr>
+      </p:sp>
+      <p:sp>
+        <p:nvSpPr>
+          <p:cNvPr id="143" name="Google Shape;143;g24047f0fe99_0_0:notes"/>
           <p:cNvSpPr txBox="1"/>
           <p:nvPr>
             <p:ph idx="1" type="body"/>
@@ -7856,13 +7956,12 @@
           <p:cNvPicPr preferRelativeResize="0"/>
           <p:nvPr/>
         </p:nvPicPr>
-        <p:blipFill>
+        <p:blipFill rotWithShape="1">
           <a:blip r:embed="rId3">
             <a:alphaModFix/>
           </a:blip>
-          <a:stretch>
-            <a:fillRect/>
-          </a:stretch>
+          <a:srcRect b="0" l="0" r="0" t="0"/>
+          <a:stretch/>
         </p:blipFill>
         <p:spPr>
           <a:xfrm>
@@ -7992,13 +8091,12 @@
           <p:cNvPicPr preferRelativeResize="0"/>
           <p:nvPr/>
         </p:nvPicPr>
-        <p:blipFill>
+        <p:blipFill rotWithShape="1">
           <a:blip r:embed="rId3">
             <a:alphaModFix/>
           </a:blip>
-          <a:stretch>
-            <a:fillRect/>
-          </a:stretch>
+          <a:srcRect b="0" l="0" r="0" t="0"/>
+          <a:stretch/>
         </p:blipFill>
         <p:spPr>
           <a:xfrm>
@@ -8124,13 +8222,12 @@
           <p:cNvPicPr preferRelativeResize="0"/>
           <p:nvPr/>
         </p:nvPicPr>
-        <p:blipFill>
+        <p:blipFill rotWithShape="1">
           <a:blip r:embed="rId3">
             <a:alphaModFix/>
           </a:blip>
-          <a:stretch>
-            <a:fillRect/>
-          </a:stretch>
+          <a:srcRect b="0" l="0" r="0" t="0"/>
+          <a:stretch/>
         </p:blipFill>
         <p:spPr>
           <a:xfrm>
@@ -8245,7 +8342,7 @@
             </a:pPr>
             <a:r>
               <a:rPr lang="cs"/>
-              <a:t>After numerous modifications I managed to set up CGP to do satisfying circuit minimization for different allowed errors. Based on how smooth the curve for gates count is for each error, the chosen CGP parameters proved to be solid.</a:t>
+              <a:t>After numerous modifications I managed to set up CGP to do satisfying circuit minimization for different allowed errors. Based on how smooth the curve for gates count is for each error, the chosen CGP parameters proved to be solid, although not perfect, especially on the highest error ends.</a:t>
             </a:r>
             <a:endParaRPr/>
           </a:p>
@@ -8255,17 +8352,134 @@
                 <a:spcPts val="1200"/>
               </a:spcBef>
               <a:spcAft>
-                <a:spcPts val="0"/>
+                <a:spcPts val="1200"/>
               </a:spcAft>
               <a:buNone/>
             </a:pPr>
             <a:r>
               <a:rPr lang="cs"/>
-              <a:t>Results from single runs gave mixed results, as you would expect from a GA. Results between runs with errors that were not a magnitude different were </a:t>
+              <a:t>Results of runs with 20% error were hurt badly by the increasing possible range of mutations and also the randomness of each mutation.</a:t>
             </a:r>
+            <a:endParaRPr/>
+          </a:p>
+        </p:txBody>
+      </p:sp>
+    </p:spTree>
+  </p:cSld>
+  <p:clrMapOvr>
+    <a:masterClrMapping/>
+  </p:clrMapOvr>
+</p:sld>
+</file>
+
+<file path=ppt/slides/slide14.xml><?xml version="1.0" encoding="utf-8"?>
+<p:sld xmlns:a="http://schemas.openxmlformats.org/drawingml/2006/main" xmlns:r="http://schemas.openxmlformats.org/officeDocument/2006/relationships" xmlns:mc="http://schemas.openxmlformats.org/markup-compatibility/2006" xmlns:mv="urn:schemas-microsoft-com:mac:vml" xmlns:p="http://schemas.openxmlformats.org/presentationml/2006/main" xmlns:c="http://schemas.openxmlformats.org/drawingml/2006/chart" xmlns:dgm="http://schemas.openxmlformats.org/drawingml/2006/diagram" xmlns:o="urn:schemas-microsoft-com:office:office" xmlns:v="urn:schemas-microsoft-com:vml" xmlns:pvml="urn:schemas-microsoft-com:office:powerpoint" xmlns:com="http://schemas.openxmlformats.org/drawingml/2006/compatibility" xmlns:p14="http://schemas.microsoft.com/office/powerpoint/2010/main" xmlns:p15="http://schemas.microsoft.com/office/powerpoint/2012/main" xmlns:ahyp="http://schemas.microsoft.com/office/drawing/2018/hyperlinkcolor">
+  <p:cSld>
+    <p:spTree>
+      <p:nvGrpSpPr>
+        <p:cNvPr id="144" name="Shape 144"/>
+        <p:cNvGrpSpPr/>
+        <p:nvPr/>
+      </p:nvGrpSpPr>
+      <p:grpSpPr>
+        <a:xfrm>
+          <a:off x="0" y="0"/>
+          <a:ext cx="0" cy="0"/>
+          <a:chOff x="0" y="0"/>
+          <a:chExt cx="0" cy="0"/>
+        </a:xfrm>
+      </p:grpSpPr>
+      <p:sp>
+        <p:nvSpPr>
+          <p:cNvPr id="145" name="Google Shape;145;p26"/>
+          <p:cNvSpPr txBox="1"/>
+          <p:nvPr>
+            <p:ph type="title"/>
+          </p:nvPr>
+        </p:nvSpPr>
+        <p:spPr>
+          <a:xfrm>
+            <a:off x="311700" y="391350"/>
+            <a:ext cx="8520600" cy="626100"/>
+          </a:xfrm>
+          <a:prstGeom prst="rect">
+            <a:avLst/>
+          </a:prstGeom>
+        </p:spPr>
+        <p:txBody>
+          <a:bodyPr anchorCtr="0" anchor="t" bIns="91425" lIns="91425" spcFirstLastPara="1" rIns="91425" wrap="square" tIns="91425">
+            <a:normAutofit fontScale="90000"/>
+          </a:bodyPr>
+          <a:lstStyle/>
+          <a:p>
+            <a:pPr indent="0" lvl="0" marL="0" rtl="0" algn="l">
+              <a:spcBef>
+                <a:spcPts val="0"/>
+              </a:spcBef>
+              <a:spcAft>
+                <a:spcPts val="0"/>
+              </a:spcAft>
+              <a:buNone/>
+            </a:pPr>
             <a:r>
               <a:rPr lang="cs"/>
-              <a:t>indistinguishable.</a:t>
+              <a:t>Conclusion II.</a:t>
+            </a:r>
+            <a:endParaRPr/>
+          </a:p>
+        </p:txBody>
+      </p:sp>
+      <p:sp>
+        <p:nvSpPr>
+          <p:cNvPr id="146" name="Google Shape;146;p26"/>
+          <p:cNvSpPr txBox="1"/>
+          <p:nvPr>
+            <p:ph idx="1" type="body"/>
+          </p:nvPr>
+        </p:nvSpPr>
+        <p:spPr>
+          <a:xfrm>
+            <a:off x="311700" y="1152475"/>
+            <a:ext cx="8520600" cy="3416400"/>
+          </a:xfrm>
+          <a:prstGeom prst="rect">
+            <a:avLst/>
+          </a:prstGeom>
+        </p:spPr>
+        <p:txBody>
+          <a:bodyPr anchorCtr="0" anchor="t" bIns="91425" lIns="91425" spcFirstLastPara="1" rIns="91425" wrap="square" tIns="91425">
+            <a:normAutofit/>
+          </a:bodyPr>
+          <a:lstStyle/>
+          <a:p>
+            <a:pPr indent="0" lvl="0" marL="0" rtl="0" algn="l">
+              <a:spcBef>
+                <a:spcPts val="0"/>
+              </a:spcBef>
+              <a:spcAft>
+                <a:spcPts val="0"/>
+              </a:spcAft>
+              <a:buNone/>
+            </a:pPr>
+            <a:r>
+              <a:rPr lang="cs"/>
+              <a:t>Results from single runs gave mixed results, as you would expect from a GA. Results between runs with errors that were not a magnitude different were indistinguishable.</a:t>
+            </a:r>
+            <a:endParaRPr/>
+          </a:p>
+          <a:p>
+            <a:pPr indent="0" lvl="0" marL="0" rtl="0" algn="l">
+              <a:spcBef>
+                <a:spcPts val="1200"/>
+              </a:spcBef>
+              <a:spcAft>
+                <a:spcPts val="0"/>
+              </a:spcAft>
+              <a:buNone/>
+            </a:pPr>
+            <a:r>
+              <a:rPr lang="cs"/>
+              <a:t>Based on error spikes, max and mean error are negatively correlated. Mean and mean relative error are positively correlated.</a:t>
             </a:r>
             <a:endParaRPr/>
           </a:p>
@@ -9600,6 +9814,285 @@
 </file>
 
 <file path=ppt/theme/theme1.xml><?xml version="1.0" encoding="utf-8"?>
+<a:theme xmlns:a="http://schemas.openxmlformats.org/drawingml/2006/main" xmlns:r="http://schemas.openxmlformats.org/officeDocument/2006/relationships" name="Coral">
+  <a:themeElements>
+    <a:clrScheme name="Coral">
+      <a:dk1>
+        <a:srgbClr val="F55E61"/>
+      </a:dk1>
+      <a:lt1>
+        <a:srgbClr val="FFFFFF"/>
+      </a:lt1>
+      <a:dk2>
+        <a:srgbClr val="5E696C"/>
+      </a:dk2>
+      <a:lt2>
+        <a:srgbClr val="BFC7CA"/>
+      </a:lt2>
+      <a:accent1>
+        <a:srgbClr val="1E2D31"/>
+      </a:accent1>
+      <a:accent2>
+        <a:srgbClr val="273C42"/>
+      </a:accent2>
+      <a:accent3>
+        <a:srgbClr val="83D061"/>
+      </a:accent3>
+      <a:accent4>
+        <a:srgbClr val="F6CD4C"/>
+      </a:accent4>
+      <a:accent5>
+        <a:srgbClr val="AF4345"/>
+      </a:accent5>
+      <a:accent6>
+        <a:srgbClr val="F58F8F"/>
+      </a:accent6>
+      <a:hlink>
+        <a:srgbClr val="AF4345"/>
+      </a:hlink>
+      <a:folHlink>
+        <a:srgbClr val="AF4345"/>
+      </a:folHlink>
+    </a:clrScheme>
+    <a:fontScheme name="Office">
+      <a:majorFont>
+        <a:latin typeface="Arial"/>
+        <a:ea typeface=""/>
+        <a:cs typeface=""/>
+        <a:font script="Jpan" typeface="ＭＳ Ｐゴシック"/>
+        <a:font script="Hang" typeface="맑은 고딕"/>
+        <a:font script="Hans" typeface="宋体"/>
+        <a:font script="Hant" typeface="新細明體"/>
+        <a:font script="Arab" typeface="Times New Roman"/>
+        <a:font script="Hebr" typeface="Times New Roman"/>
+        <a:font script="Thai" typeface="Angsana New"/>
+        <a:font script="Ethi" typeface="Nyala"/>
+        <a:font script="Beng" typeface="Vrinda"/>
+        <a:font script="Gujr" typeface="Shruti"/>
+        <a:font script="Khmr" typeface="MoolBoran"/>
+        <a:font script="Knda" typeface="Tunga"/>
+        <a:font script="Guru" typeface="Raavi"/>
+        <a:font script="Cans" typeface="Euphemia"/>
+        <a:font script="Cher" typeface="Plantagenet Cherokee"/>
+        <a:font script="Yiii" typeface="Microsoft Yi Baiti"/>
+        <a:font script="Tibt" typeface="Microsoft Himalaya"/>
+        <a:font script="Thaa" typeface="MV Boli"/>
+        <a:font script="Deva" typeface="Mangal"/>
+        <a:font script="Telu" typeface="Gautami"/>
+        <a:font script="Taml" typeface="Latha"/>
+        <a:font script="Syrc" typeface="Estrangelo Edessa"/>
+        <a:font script="Orya" typeface="Kalinga"/>
+        <a:font script="Mlym" typeface="Kartika"/>
+        <a:font script="Laoo" typeface="DokChampa"/>
+        <a:font script="Sinh" typeface="Iskoola Pota"/>
+        <a:font script="Mong" typeface="Mongolian Baiti"/>
+        <a:font script="Viet" typeface="Times New Roman"/>
+        <a:font script="Uigh" typeface="Microsoft Uighur"/>
+        <a:font script="Geor" typeface="Sylfaen"/>
+      </a:majorFont>
+      <a:minorFont>
+        <a:latin typeface="Arial"/>
+        <a:ea typeface=""/>
+        <a:cs typeface=""/>
+        <a:font script="Jpan" typeface="ＭＳ Ｐゴシック"/>
+        <a:font script="Hang" typeface="맑은 고딕"/>
+        <a:font script="Hans" typeface="宋体"/>
+        <a:font script="Hant" typeface="新細明體"/>
+        <a:font script="Arab" typeface="Arial"/>
+        <a:font script="Hebr" typeface="Arial"/>
+        <a:font script="Thai" typeface="Cordia New"/>
+        <a:font script="Ethi" typeface="Nyala"/>
+        <a:font script="Beng" typeface="Vrinda"/>
+        <a:font script="Gujr" typeface="Shruti"/>
+        <a:font script="Khmr" typeface="DaunPenh"/>
+        <a:font script="Knda" typeface="Tunga"/>
+        <a:font script="Guru" typeface="Raavi"/>
+        <a:font script="Cans" typeface="Euphemia"/>
+        <a:font script="Cher" typeface="Plantagenet Cherokee"/>
+        <a:font script="Yiii" typeface="Microsoft Yi Baiti"/>
+        <a:font script="Tibt" typeface="Microsoft Himalaya"/>
+        <a:font script="Thaa" typeface="MV Boli"/>
+        <a:font script="Deva" typeface="Mangal"/>
+        <a:font script="Telu" typeface="Gautami"/>
+        <a:font script="Taml" typeface="Latha"/>
+        <a:font script="Syrc" typeface="Estrangelo Edessa"/>
+        <a:font script="Orya" typeface="Kalinga"/>
+        <a:font script="Mlym" typeface="Kartika"/>
+        <a:font script="Laoo" typeface="DokChampa"/>
+        <a:font script="Sinh" typeface="Iskoola Pota"/>
+        <a:font script="Mong" typeface="Mongolian Baiti"/>
+        <a:font script="Viet" typeface="Arial"/>
+        <a:font script="Uigh" typeface="Microsoft Uighur"/>
+        <a:font script="Geor" typeface="Sylfaen"/>
+      </a:minorFont>
+    </a:fontScheme>
+    <a:fmtScheme name="Office">
+      <a:fillStyleLst>
+        <a:solidFill>
+          <a:schemeClr val="phClr"/>
+        </a:solidFill>
+        <a:gradFill rotWithShape="1">
+          <a:gsLst>
+            <a:gs pos="0">
+              <a:schemeClr val="phClr">
+                <a:tint val="50000"/>
+                <a:satMod val="300000"/>
+              </a:schemeClr>
+            </a:gs>
+            <a:gs pos="35000">
+              <a:schemeClr val="phClr">
+                <a:tint val="37000"/>
+                <a:satMod val="300000"/>
+              </a:schemeClr>
+            </a:gs>
+            <a:gs pos="100000">
+              <a:schemeClr val="phClr">
+                <a:tint val="15000"/>
+                <a:satMod val="350000"/>
+              </a:schemeClr>
+            </a:gs>
+          </a:gsLst>
+          <a:lin ang="16200000" scaled="1"/>
+        </a:gradFill>
+        <a:gradFill rotWithShape="1">
+          <a:gsLst>
+            <a:gs pos="0">
+              <a:schemeClr val="phClr">
+                <a:tint val="100000"/>
+                <a:shade val="100000"/>
+                <a:satMod val="130000"/>
+              </a:schemeClr>
+            </a:gs>
+            <a:gs pos="100000">
+              <a:schemeClr val="phClr">
+                <a:tint val="50000"/>
+                <a:shade val="100000"/>
+                <a:satMod val="350000"/>
+              </a:schemeClr>
+            </a:gs>
+          </a:gsLst>
+          <a:lin ang="16200000" scaled="0"/>
+        </a:gradFill>
+      </a:fillStyleLst>
+      <a:lnStyleLst>
+        <a:ln w="9525" cap="flat" cmpd="sng" algn="ctr">
+          <a:solidFill>
+            <a:schemeClr val="phClr">
+              <a:shade val="95000"/>
+              <a:satMod val="105000"/>
+            </a:schemeClr>
+          </a:solidFill>
+          <a:prstDash val="solid"/>
+        </a:ln>
+        <a:ln w="25400" cap="flat" cmpd="sng" algn="ctr">
+          <a:solidFill>
+            <a:schemeClr val="phClr"/>
+          </a:solidFill>
+          <a:prstDash val="solid"/>
+        </a:ln>
+        <a:ln w="38100" cap="flat" cmpd="sng" algn="ctr">
+          <a:solidFill>
+            <a:schemeClr val="phClr"/>
+          </a:solidFill>
+          <a:prstDash val="solid"/>
+        </a:ln>
+      </a:lnStyleLst>
+      <a:effectStyleLst>
+        <a:effectStyle>
+          <a:effectLst>
+            <a:outerShdw blurRad="40000" dist="20000" dir="5400000" rotWithShape="0">
+              <a:srgbClr val="000000">
+                <a:alpha val="38000"/>
+              </a:srgbClr>
+            </a:outerShdw>
+          </a:effectLst>
+        </a:effectStyle>
+        <a:effectStyle>
+          <a:effectLst>
+            <a:outerShdw blurRad="40000" dist="23000" dir="5400000" rotWithShape="0">
+              <a:srgbClr val="000000">
+                <a:alpha val="35000"/>
+              </a:srgbClr>
+            </a:outerShdw>
+          </a:effectLst>
+        </a:effectStyle>
+        <a:effectStyle>
+          <a:effectLst>
+            <a:outerShdw blurRad="40000" dist="23000" dir="5400000" rotWithShape="0">
+              <a:srgbClr val="000000">
+                <a:alpha val="35000"/>
+              </a:srgbClr>
+            </a:outerShdw>
+          </a:effectLst>
+          <a:scene3d>
+            <a:camera prst="orthographicFront">
+              <a:rot lat="0" lon="0" rev="0"/>
+            </a:camera>
+            <a:lightRig rig="threePt" dir="t">
+              <a:rot lat="0" lon="0" rev="1200000"/>
+            </a:lightRig>
+          </a:scene3d>
+          <a:sp3d>
+            <a:bevelT w="63500" h="25400"/>
+          </a:sp3d>
+        </a:effectStyle>
+      </a:effectStyleLst>
+      <a:bgFillStyleLst>
+        <a:solidFill>
+          <a:schemeClr val="phClr"/>
+        </a:solidFill>
+        <a:gradFill rotWithShape="1">
+          <a:gsLst>
+            <a:gs pos="0">
+              <a:schemeClr val="phClr">
+                <a:tint val="40000"/>
+                <a:satMod val="350000"/>
+              </a:schemeClr>
+            </a:gs>
+            <a:gs pos="40000">
+              <a:schemeClr val="phClr">
+                <a:tint val="45000"/>
+                <a:shade val="99000"/>
+                <a:satMod val="350000"/>
+              </a:schemeClr>
+            </a:gs>
+            <a:gs pos="100000">
+              <a:schemeClr val="phClr">
+                <a:shade val="20000"/>
+                <a:satMod val="255000"/>
+              </a:schemeClr>
+            </a:gs>
+          </a:gsLst>
+          <a:path path="circle">
+            <a:fillToRect l="50000" t="-80000" r="50000" b="180000"/>
+          </a:path>
+        </a:gradFill>
+        <a:gradFill rotWithShape="1">
+          <a:gsLst>
+            <a:gs pos="0">
+              <a:schemeClr val="phClr">
+                <a:tint val="80000"/>
+                <a:satMod val="300000"/>
+              </a:schemeClr>
+            </a:gs>
+            <a:gs pos="100000">
+              <a:schemeClr val="phClr">
+                <a:shade val="30000"/>
+                <a:satMod val="200000"/>
+              </a:schemeClr>
+            </a:gs>
+          </a:gsLst>
+          <a:path path="circle">
+            <a:fillToRect l="50000" t="50000" r="50000" b="50000"/>
+          </a:path>
+        </a:gradFill>
+      </a:bgFillStyleLst>
+    </a:fmtScheme>
+  </a:themeElements>
+</a:theme>
+</file>
+
+<file path=ppt/theme/theme2.xml><?xml version="1.0" encoding="utf-8"?>
 <a:theme xmlns:a="http://schemas.openxmlformats.org/drawingml/2006/main" xmlns:r="http://schemas.openxmlformats.org/officeDocument/2006/relationships">
   <a:themeElements>
     <a:clrScheme name="Default">
@@ -9876,283 +10369,4 @@
     </a:fmtScheme>
   </a:themeElements>
 </a:theme>
-</file>
-
-<file path=ppt/theme/theme2.xml><?xml version="1.0" encoding="utf-8"?>
-<a:theme xmlns:a="http://schemas.openxmlformats.org/drawingml/2006/main" xmlns:r="http://schemas.openxmlformats.org/officeDocument/2006/relationships" name="Coral">
-  <a:themeElements>
-    <a:clrScheme name="Coral">
-      <a:dk1>
-        <a:srgbClr val="F55E61"/>
-      </a:dk1>
-      <a:lt1>
-        <a:srgbClr val="FFFFFF"/>
-      </a:lt1>
-      <a:dk2>
-        <a:srgbClr val="5E696C"/>
-      </a:dk2>
-      <a:lt2>
-        <a:srgbClr val="BFC7CA"/>
-      </a:lt2>
-      <a:accent1>
-        <a:srgbClr val="1E2D31"/>
-      </a:accent1>
-      <a:accent2>
-        <a:srgbClr val="273C42"/>
-      </a:accent2>
-      <a:accent3>
-        <a:srgbClr val="83D061"/>
-      </a:accent3>
-      <a:accent4>
-        <a:srgbClr val="F6CD4C"/>
-      </a:accent4>
-      <a:accent5>
-        <a:srgbClr val="AF4345"/>
-      </a:accent5>
-      <a:accent6>
-        <a:srgbClr val="F58F8F"/>
-      </a:accent6>
-      <a:hlink>
-        <a:srgbClr val="AF4345"/>
-      </a:hlink>
-      <a:folHlink>
-        <a:srgbClr val="AF4345"/>
-      </a:folHlink>
-    </a:clrScheme>
-    <a:fontScheme name="Office">
-      <a:majorFont>
-        <a:latin typeface="Arial"/>
-        <a:ea typeface=""/>
-        <a:cs typeface=""/>
-        <a:font script="Jpan" typeface="ＭＳ Ｐゴシック"/>
-        <a:font script="Hang" typeface="맑은 고딕"/>
-        <a:font script="Hans" typeface="宋体"/>
-        <a:font script="Hant" typeface="新細明體"/>
-        <a:font script="Arab" typeface="Times New Roman"/>
-        <a:font script="Hebr" typeface="Times New Roman"/>
-        <a:font script="Thai" typeface="Angsana New"/>
-        <a:font script="Ethi" typeface="Nyala"/>
-        <a:font script="Beng" typeface="Vrinda"/>
-        <a:font script="Gujr" typeface="Shruti"/>
-        <a:font script="Khmr" typeface="MoolBoran"/>
-        <a:font script="Knda" typeface="Tunga"/>
-        <a:font script="Guru" typeface="Raavi"/>
-        <a:font script="Cans" typeface="Euphemia"/>
-        <a:font script="Cher" typeface="Plantagenet Cherokee"/>
-        <a:font script="Yiii" typeface="Microsoft Yi Baiti"/>
-        <a:font script="Tibt" typeface="Microsoft Himalaya"/>
-        <a:font script="Thaa" typeface="MV Boli"/>
-        <a:font script="Deva" typeface="Mangal"/>
-        <a:font script="Telu" typeface="Gautami"/>
-        <a:font script="Taml" typeface="Latha"/>
-        <a:font script="Syrc" typeface="Estrangelo Edessa"/>
-        <a:font script="Orya" typeface="Kalinga"/>
-        <a:font script="Mlym" typeface="Kartika"/>
-        <a:font script="Laoo" typeface="DokChampa"/>
-        <a:font script="Sinh" typeface="Iskoola Pota"/>
-        <a:font script="Mong" typeface="Mongolian Baiti"/>
-        <a:font script="Viet" typeface="Times New Roman"/>
-        <a:font script="Uigh" typeface="Microsoft Uighur"/>
-        <a:font script="Geor" typeface="Sylfaen"/>
-      </a:majorFont>
-      <a:minorFont>
-        <a:latin typeface="Arial"/>
-        <a:ea typeface=""/>
-        <a:cs typeface=""/>
-        <a:font script="Jpan" typeface="ＭＳ Ｐゴシック"/>
-        <a:font script="Hang" typeface="맑은 고딕"/>
-        <a:font script="Hans" typeface="宋体"/>
-        <a:font script="Hant" typeface="新細明體"/>
-        <a:font script="Arab" typeface="Arial"/>
-        <a:font script="Hebr" typeface="Arial"/>
-        <a:font script="Thai" typeface="Cordia New"/>
-        <a:font script="Ethi" typeface="Nyala"/>
-        <a:font script="Beng" typeface="Vrinda"/>
-        <a:font script="Gujr" typeface="Shruti"/>
-        <a:font script="Khmr" typeface="DaunPenh"/>
-        <a:font script="Knda" typeface="Tunga"/>
-        <a:font script="Guru" typeface="Raavi"/>
-        <a:font script="Cans" typeface="Euphemia"/>
-        <a:font script="Cher" typeface="Plantagenet Cherokee"/>
-        <a:font script="Yiii" typeface="Microsoft Yi Baiti"/>
-        <a:font script="Tibt" typeface="Microsoft Himalaya"/>
-        <a:font script="Thaa" typeface="MV Boli"/>
-        <a:font script="Deva" typeface="Mangal"/>
-        <a:font script="Telu" typeface="Gautami"/>
-        <a:font script="Taml" typeface="Latha"/>
-        <a:font script="Syrc" typeface="Estrangelo Edessa"/>
-        <a:font script="Orya" typeface="Kalinga"/>
-        <a:font script="Mlym" typeface="Kartika"/>
-        <a:font script="Laoo" typeface="DokChampa"/>
-        <a:font script="Sinh" typeface="Iskoola Pota"/>
-        <a:font script="Mong" typeface="Mongolian Baiti"/>
-        <a:font script="Viet" typeface="Arial"/>
-        <a:font script="Uigh" typeface="Microsoft Uighur"/>
-        <a:font script="Geor" typeface="Sylfaen"/>
-      </a:minorFont>
-    </a:fontScheme>
-    <a:fmtScheme name="Office">
-      <a:fillStyleLst>
-        <a:solidFill>
-          <a:schemeClr val="phClr"/>
-        </a:solidFill>
-        <a:gradFill rotWithShape="1">
-          <a:gsLst>
-            <a:gs pos="0">
-              <a:schemeClr val="phClr">
-                <a:tint val="50000"/>
-                <a:satMod val="300000"/>
-              </a:schemeClr>
-            </a:gs>
-            <a:gs pos="35000">
-              <a:schemeClr val="phClr">
-                <a:tint val="37000"/>
-                <a:satMod val="300000"/>
-              </a:schemeClr>
-            </a:gs>
-            <a:gs pos="100000">
-              <a:schemeClr val="phClr">
-                <a:tint val="15000"/>
-                <a:satMod val="350000"/>
-              </a:schemeClr>
-            </a:gs>
-          </a:gsLst>
-          <a:lin ang="16200000" scaled="1"/>
-        </a:gradFill>
-        <a:gradFill rotWithShape="1">
-          <a:gsLst>
-            <a:gs pos="0">
-              <a:schemeClr val="phClr">
-                <a:tint val="100000"/>
-                <a:shade val="100000"/>
-                <a:satMod val="130000"/>
-              </a:schemeClr>
-            </a:gs>
-            <a:gs pos="100000">
-              <a:schemeClr val="phClr">
-                <a:tint val="50000"/>
-                <a:shade val="100000"/>
-                <a:satMod val="350000"/>
-              </a:schemeClr>
-            </a:gs>
-          </a:gsLst>
-          <a:lin ang="16200000" scaled="0"/>
-        </a:gradFill>
-      </a:fillStyleLst>
-      <a:lnStyleLst>
-        <a:ln w="9525" cap="flat" cmpd="sng" algn="ctr">
-          <a:solidFill>
-            <a:schemeClr val="phClr">
-              <a:shade val="95000"/>
-              <a:satMod val="105000"/>
-            </a:schemeClr>
-          </a:solidFill>
-          <a:prstDash val="solid"/>
-        </a:ln>
-        <a:ln w="25400" cap="flat" cmpd="sng" algn="ctr">
-          <a:solidFill>
-            <a:schemeClr val="phClr"/>
-          </a:solidFill>
-          <a:prstDash val="solid"/>
-        </a:ln>
-        <a:ln w="38100" cap="flat" cmpd="sng" algn="ctr">
-          <a:solidFill>
-            <a:schemeClr val="phClr"/>
-          </a:solidFill>
-          <a:prstDash val="solid"/>
-        </a:ln>
-      </a:lnStyleLst>
-      <a:effectStyleLst>
-        <a:effectStyle>
-          <a:effectLst>
-            <a:outerShdw blurRad="40000" dist="20000" dir="5400000" rotWithShape="0">
-              <a:srgbClr val="000000">
-                <a:alpha val="38000"/>
-              </a:srgbClr>
-            </a:outerShdw>
-          </a:effectLst>
-        </a:effectStyle>
-        <a:effectStyle>
-          <a:effectLst>
-            <a:outerShdw blurRad="40000" dist="23000" dir="5400000" rotWithShape="0">
-              <a:srgbClr val="000000">
-                <a:alpha val="35000"/>
-              </a:srgbClr>
-            </a:outerShdw>
-          </a:effectLst>
-        </a:effectStyle>
-        <a:effectStyle>
-          <a:effectLst>
-            <a:outerShdw blurRad="40000" dist="23000" dir="5400000" rotWithShape="0">
-              <a:srgbClr val="000000">
-                <a:alpha val="35000"/>
-              </a:srgbClr>
-            </a:outerShdw>
-          </a:effectLst>
-          <a:scene3d>
-            <a:camera prst="orthographicFront">
-              <a:rot lat="0" lon="0" rev="0"/>
-            </a:camera>
-            <a:lightRig rig="threePt" dir="t">
-              <a:rot lat="0" lon="0" rev="1200000"/>
-            </a:lightRig>
-          </a:scene3d>
-          <a:sp3d>
-            <a:bevelT w="63500" h="25400"/>
-          </a:sp3d>
-        </a:effectStyle>
-      </a:effectStyleLst>
-      <a:bgFillStyleLst>
-        <a:solidFill>
-          <a:schemeClr val="phClr"/>
-        </a:solidFill>
-        <a:gradFill rotWithShape="1">
-          <a:gsLst>
-            <a:gs pos="0">
-              <a:schemeClr val="phClr">
-                <a:tint val="40000"/>
-                <a:satMod val="350000"/>
-              </a:schemeClr>
-            </a:gs>
-            <a:gs pos="40000">
-              <a:schemeClr val="phClr">
-                <a:tint val="45000"/>
-                <a:shade val="99000"/>
-                <a:satMod val="350000"/>
-              </a:schemeClr>
-            </a:gs>
-            <a:gs pos="100000">
-              <a:schemeClr val="phClr">
-                <a:shade val="20000"/>
-                <a:satMod val="255000"/>
-              </a:schemeClr>
-            </a:gs>
-          </a:gsLst>
-          <a:path path="circle">
-            <a:fillToRect l="50000" t="-80000" r="50000" b="180000"/>
-          </a:path>
-        </a:gradFill>
-        <a:gradFill rotWithShape="1">
-          <a:gsLst>
-            <a:gs pos="0">
-              <a:schemeClr val="phClr">
-                <a:tint val="80000"/>
-                <a:satMod val="300000"/>
-              </a:schemeClr>
-            </a:gs>
-            <a:gs pos="100000">
-              <a:schemeClr val="phClr">
-                <a:shade val="30000"/>
-                <a:satMod val="200000"/>
-              </a:schemeClr>
-            </a:gs>
-          </a:gsLst>
-          <a:path path="circle">
-            <a:fillToRect l="50000" t="50000" r="50000" b="50000"/>
-          </a:path>
-        </a:gradFill>
-      </a:bgFillStyleLst>
-    </a:fmtScheme>
-  </a:themeElements>
-</a:theme>
 </file>